--- a/Día 1/11 - Colaboración.pptx
+++ b/Día 1/11 - Colaboración.pptx
@@ -10,20 +10,21 @@
     <p:sldId id="261" r:id="rId4"/>
     <p:sldId id="277" r:id="rId5"/>
     <p:sldId id="262" r:id="rId6"/>
-    <p:sldId id="263" r:id="rId7"/>
-    <p:sldId id="264" r:id="rId8"/>
-    <p:sldId id="265" r:id="rId9"/>
-    <p:sldId id="268" r:id="rId10"/>
-    <p:sldId id="269" r:id="rId11"/>
-    <p:sldId id="270" r:id="rId12"/>
-    <p:sldId id="271" r:id="rId13"/>
-    <p:sldId id="266" r:id="rId14"/>
-    <p:sldId id="267" r:id="rId15"/>
-    <p:sldId id="273" r:id="rId16"/>
-    <p:sldId id="274" r:id="rId17"/>
-    <p:sldId id="275" r:id="rId18"/>
-    <p:sldId id="276" r:id="rId19"/>
-    <p:sldId id="278" r:id="rId20"/>
+    <p:sldId id="279" r:id="rId7"/>
+    <p:sldId id="263" r:id="rId8"/>
+    <p:sldId id="264" r:id="rId9"/>
+    <p:sldId id="265" r:id="rId10"/>
+    <p:sldId id="268" r:id="rId11"/>
+    <p:sldId id="269" r:id="rId12"/>
+    <p:sldId id="270" r:id="rId13"/>
+    <p:sldId id="271" r:id="rId14"/>
+    <p:sldId id="266" r:id="rId15"/>
+    <p:sldId id="267" r:id="rId16"/>
+    <p:sldId id="273" r:id="rId17"/>
+    <p:sldId id="274" r:id="rId18"/>
+    <p:sldId id="275" r:id="rId19"/>
+    <p:sldId id="276" r:id="rId20"/>
+    <p:sldId id="278" r:id="rId21"/>
   </p:sldIdLst>
   <p:sldSz cx="9144000" cy="6858000" type="screen4x3"/>
   <p:notesSz cx="6858000" cy="9144000"/>
@@ -144,7 +145,7 @@
 <file path=ppt/revisionInfo.xml><?xml version="1.0" encoding="utf-8"?>
 <p1510:revInfo xmlns:a="http://schemas.openxmlformats.org/drawingml/2006/main" xmlns:r="http://schemas.openxmlformats.org/officeDocument/2006/relationships" xmlns:p1510="http://schemas.microsoft.com/office/powerpoint/2015/10/main">
   <p1510:revLst>
-    <p1510:client id="{0B0DE51A-7C6E-7797-7689-396C6054DFA0}" v="10" dt="2024-06-25T15:06:48.853"/>
+    <p1510:client id="{0B0DE51A-7C6E-7797-7689-396C6054DFA0}" v="29" dt="2024-06-25T17:22:22.555"/>
     <p1510:client id="{37C284D5-82CE-8A24-D748-06B26526CB6A}" v="45" dt="2024-06-25T10:20:23.624"/>
   </p1510:revLst>
 </p1510:revInfo>
@@ -3319,6 +3320,131 @@
         </p:nvSpPr>
         <p:spPr>
           <a:xfrm>
+            <a:off x="1155700" y="2479595"/>
+            <a:ext cx="7112000" cy="1107996"/>
+          </a:xfrm>
+          <a:prstGeom prst="rect">
+            <a:avLst/>
+          </a:prstGeom>
+          <a:noFill/>
+        </p:spPr>
+        <p:txBody>
+          <a:bodyPr wrap="square" rtlCol="0">
+            <a:spAutoFit/>
+          </a:bodyPr>
+          <a:lstStyle/>
+          <a:p>
+            <a:r>
+              <a:rPr lang="en-US" sz="4800" b="1" i="1" err="1">
+                <a:solidFill>
+                  <a:schemeClr val="bg1"/>
+                </a:solidFill>
+                <a:latin typeface="Trebuchet MS"/>
+                <a:cs typeface="Trebuchet MS"/>
+              </a:rPr>
+              <a:t>Git</a:t>
+            </a:r>
+            <a:endParaRPr lang="en-US" sz="4800" b="1" i="1">
+              <a:solidFill>
+                <a:schemeClr val="bg1"/>
+              </a:solidFill>
+              <a:latin typeface="Trebuchet MS"/>
+              <a:cs typeface="Trebuchet MS"/>
+            </a:endParaRPr>
+          </a:p>
+          <a:p>
+            <a:endParaRPr lang="en-US">
+              <a:solidFill>
+                <a:schemeClr val="accent6">
+                  <a:lumMod val="50000"/>
+                </a:schemeClr>
+              </a:solidFill>
+            </a:endParaRPr>
+          </a:p>
+        </p:txBody>
+      </p:sp>
+      <p:sp>
+        <p:nvSpPr>
+          <p:cNvPr id="4" name="TextBox 3"/>
+          <p:cNvSpPr txBox="1"/>
+          <p:nvPr/>
+        </p:nvSpPr>
+        <p:spPr>
+          <a:xfrm>
+            <a:off x="2387600" y="2635090"/>
+            <a:ext cx="7112000" cy="800219"/>
+          </a:xfrm>
+          <a:prstGeom prst="rect">
+            <a:avLst/>
+          </a:prstGeom>
+          <a:noFill/>
+        </p:spPr>
+        <p:txBody>
+          <a:bodyPr wrap="square" rtlCol="0">
+            <a:spAutoFit/>
+          </a:bodyPr>
+          <a:lstStyle/>
+          <a:p>
+            <a:r>
+              <a:rPr lang="en-US" sz="2800" b="1" i="1">
+                <a:solidFill>
+                  <a:schemeClr val="bg1"/>
+                </a:solidFill>
+                <a:latin typeface="Trebuchet MS"/>
+                <a:cs typeface="Trebuchet MS"/>
+              </a:rPr>
+              <a:t>“distributed revision control system”</a:t>
+            </a:r>
+          </a:p>
+          <a:p>
+            <a:endParaRPr lang="en-US">
+              <a:solidFill>
+                <a:schemeClr val="accent6">
+                  <a:lumMod val="50000"/>
+                </a:schemeClr>
+              </a:solidFill>
+            </a:endParaRPr>
+          </a:p>
+        </p:txBody>
+      </p:sp>
+    </p:spTree>
+    <p:extLst>
+      <p:ext uri="{BB962C8B-B14F-4D97-AF65-F5344CB8AC3E}">
+        <p14:creationId xmlns:p14="http://schemas.microsoft.com/office/powerpoint/2010/main" val="2395952148"/>
+      </p:ext>
+    </p:extLst>
+  </p:cSld>
+  <p:clrMapOvr>
+    <a:masterClrMapping/>
+  </p:clrMapOvr>
+</p:sld>
+</file>
+
+<file path=ppt/slides/slide11.xml><?xml version="1.0" encoding="utf-8"?>
+<p:sld xmlns:a="http://schemas.openxmlformats.org/drawingml/2006/main" xmlns:r="http://schemas.openxmlformats.org/officeDocument/2006/relationships" xmlns:p="http://schemas.openxmlformats.org/presentationml/2006/main">
+  <p:cSld>
+    <p:spTree>
+      <p:nvGrpSpPr>
+        <p:cNvPr id="1" name=""/>
+        <p:cNvGrpSpPr/>
+        <p:nvPr/>
+      </p:nvGrpSpPr>
+      <p:grpSpPr>
+        <a:xfrm>
+          <a:off x="0" y="0"/>
+          <a:ext cx="0" cy="0"/>
+          <a:chOff x="0" y="0"/>
+          <a:chExt cx="0" cy="0"/>
+        </a:xfrm>
+      </p:grpSpPr>
+      <p:sp>
+        <p:nvSpPr>
+          <p:cNvPr id="2" name="TextBox 1"/>
+          <p:cNvSpPr txBox="1"/>
+          <p:nvPr/>
+        </p:nvSpPr>
+        <p:spPr>
+          <a:xfrm>
             <a:off x="1155700" y="447595"/>
             <a:ext cx="7112000" cy="1107996"/>
           </a:xfrm>
@@ -3484,7 +3610,7 @@
 </p:sld>
 </file>
 
-<file path=ppt/slides/slide11.xml><?xml version="1.0" encoding="utf-8"?>
+<file path=ppt/slides/slide12.xml><?xml version="1.0" encoding="utf-8"?>
 <p:sld xmlns:a="http://schemas.openxmlformats.org/drawingml/2006/main" xmlns:r="http://schemas.openxmlformats.org/officeDocument/2006/relationships" xmlns:p="http://schemas.openxmlformats.org/presentationml/2006/main">
   <p:cSld>
     <p:spTree>
@@ -3674,7 +3800,7 @@
 </p:sld>
 </file>
 
-<file path=ppt/slides/slide12.xml><?xml version="1.0" encoding="utf-8"?>
+<file path=ppt/slides/slide13.xml><?xml version="1.0" encoding="utf-8"?>
 <p:sld xmlns:a="http://schemas.openxmlformats.org/drawingml/2006/main" xmlns:r="http://schemas.openxmlformats.org/officeDocument/2006/relationships" xmlns:p="http://schemas.openxmlformats.org/presentationml/2006/main">
   <p:cSld>
     <p:spTree>
@@ -3864,7 +3990,7 @@
 </p:sld>
 </file>
 
-<file path=ppt/slides/slide13.xml><?xml version="1.0" encoding="utf-8"?>
+<file path=ppt/slides/slide14.xml><?xml version="1.0" encoding="utf-8"?>
 <p:sld xmlns:a="http://schemas.openxmlformats.org/drawingml/2006/main" xmlns:r="http://schemas.openxmlformats.org/officeDocument/2006/relationships" xmlns:p="http://schemas.openxmlformats.org/presentationml/2006/main">
   <p:cSld>
     <p:spTree>
@@ -3945,7 +4071,7 @@
 </p:sld>
 </file>
 
-<file path=ppt/slides/slide14.xml><?xml version="1.0" encoding="utf-8"?>
+<file path=ppt/slides/slide15.xml><?xml version="1.0" encoding="utf-8"?>
 <p:sld xmlns:a="http://schemas.openxmlformats.org/drawingml/2006/main" xmlns:r="http://schemas.openxmlformats.org/officeDocument/2006/relationships" xmlns:p="http://schemas.openxmlformats.org/presentationml/2006/main">
   <p:cSld>
     <p:spTree>
@@ -4247,215 +4373,6 @@
 </p:sld>
 </file>
 
-<file path=ppt/slides/slide15.xml><?xml version="1.0" encoding="utf-8"?>
-<p:sld xmlns:a="http://schemas.openxmlformats.org/drawingml/2006/main" xmlns:r="http://schemas.openxmlformats.org/officeDocument/2006/relationships" xmlns:p="http://schemas.openxmlformats.org/presentationml/2006/main">
-  <p:cSld>
-    <p:spTree>
-      <p:nvGrpSpPr>
-        <p:cNvPr id="1" name=""/>
-        <p:cNvGrpSpPr/>
-        <p:nvPr/>
-      </p:nvGrpSpPr>
-      <p:grpSpPr>
-        <a:xfrm>
-          <a:off x="0" y="0"/>
-          <a:ext cx="0" cy="0"/>
-          <a:chOff x="0" y="0"/>
-          <a:chExt cx="0" cy="0"/>
-        </a:xfrm>
-      </p:grpSpPr>
-      <p:sp>
-        <p:nvSpPr>
-          <p:cNvPr id="2" name="TextBox 1"/>
-          <p:cNvSpPr txBox="1"/>
-          <p:nvPr/>
-        </p:nvSpPr>
-        <p:spPr>
-          <a:xfrm>
-            <a:off x="968323" y="317681"/>
-            <a:ext cx="7112000" cy="1107996"/>
-          </a:xfrm>
-          <a:prstGeom prst="rect">
-            <a:avLst/>
-          </a:prstGeom>
-          <a:noFill/>
-        </p:spPr>
-        <p:txBody>
-          <a:bodyPr wrap="square" rtlCol="0">
-            <a:spAutoFit/>
-          </a:bodyPr>
-          <a:lstStyle/>
-          <a:p>
-            <a:r>
-              <a:rPr lang="es-ES_tradnl" sz="4800" b="1" i="1">
-                <a:solidFill>
-                  <a:schemeClr val="bg1"/>
-                </a:solidFill>
-                <a:latin typeface="Trebuchet MS"/>
-                <a:cs typeface="Trebuchet MS"/>
-              </a:rPr>
-              <a:t>Retos menores</a:t>
-            </a:r>
-          </a:p>
-          <a:p>
-            <a:endParaRPr lang="es-ES_tradnl">
-              <a:solidFill>
-                <a:schemeClr val="accent6">
-                  <a:lumMod val="50000"/>
-                </a:schemeClr>
-              </a:solidFill>
-            </a:endParaRPr>
-          </a:p>
-        </p:txBody>
-      </p:sp>
-      <p:sp>
-        <p:nvSpPr>
-          <p:cNvPr id="7" name="TextBox 6"/>
-          <p:cNvSpPr txBox="1"/>
-          <p:nvPr/>
-        </p:nvSpPr>
-        <p:spPr>
-          <a:xfrm>
-            <a:off x="968323" y="1709779"/>
-            <a:ext cx="7493000" cy="5109091"/>
-          </a:xfrm>
-          <a:prstGeom prst="rect">
-            <a:avLst/>
-          </a:prstGeom>
-          <a:noFill/>
-        </p:spPr>
-        <p:txBody>
-          <a:bodyPr wrap="square" rtlCol="0">
-            <a:spAutoFit/>
-          </a:bodyPr>
-          <a:lstStyle/>
-          <a:p>
-            <a:r>
-              <a:rPr lang="es-ES_tradnl" sz="2800" b="1" dirty="0">
-                <a:solidFill>
-                  <a:schemeClr val="bg1"/>
-                </a:solidFill>
-                <a:latin typeface="Trebuchet MS"/>
-                <a:cs typeface="Trebuchet MS"/>
-              </a:rPr>
-              <a:t>Desmitificar (educar) sobre lo digital y el Código en la academia. </a:t>
-            </a:r>
-          </a:p>
-          <a:p>
-            <a:endParaRPr lang="es-ES_tradnl" sz="2800" b="1" dirty="0">
-              <a:solidFill>
-                <a:schemeClr val="bg1"/>
-              </a:solidFill>
-              <a:latin typeface="Trebuchet MS"/>
-              <a:cs typeface="Trebuchet MS"/>
-            </a:endParaRPr>
-          </a:p>
-          <a:p>
-            <a:r>
-              <a:rPr lang="es-ES_tradnl" sz="2800" b="1" dirty="0">
-                <a:solidFill>
-                  <a:schemeClr val="bg1"/>
-                </a:solidFill>
-                <a:latin typeface="Trebuchet MS"/>
-                <a:cs typeface="Trebuchet MS"/>
-              </a:rPr>
-              <a:t>Interfaces menos técnicas para escribir y publicar.</a:t>
-            </a:r>
-          </a:p>
-          <a:p>
-            <a:endParaRPr lang="es-ES_tradnl" sz="2800" b="1" dirty="0">
-              <a:solidFill>
-                <a:schemeClr val="bg1"/>
-              </a:solidFill>
-              <a:latin typeface="Trebuchet MS"/>
-              <a:cs typeface="Trebuchet MS"/>
-            </a:endParaRPr>
-          </a:p>
-          <a:p>
-            <a:r>
-              <a:rPr lang="es-ES_tradnl" sz="2800" b="1" dirty="0">
-                <a:solidFill>
-                  <a:schemeClr val="bg1"/>
-                </a:solidFill>
-                <a:latin typeface="Trebuchet MS"/>
-                <a:cs typeface="Trebuchet MS"/>
-              </a:rPr>
-              <a:t>Nuevos repositorios donde se pueda trabajar en comunidad especializada – ni tan general (</a:t>
-            </a:r>
-            <a:r>
-              <a:rPr lang="es-ES_tradnl" sz="2800" b="1" dirty="0" err="1">
-                <a:solidFill>
-                  <a:schemeClr val="bg1"/>
-                </a:solidFill>
-                <a:latin typeface="Trebuchet MS"/>
-                <a:cs typeface="Trebuchet MS"/>
-              </a:rPr>
-              <a:t>wikipedia</a:t>
-            </a:r>
-            <a:r>
-              <a:rPr lang="es-ES_tradnl" sz="2800" b="1" dirty="0">
-                <a:solidFill>
-                  <a:schemeClr val="bg1"/>
-                </a:solidFill>
-                <a:latin typeface="Trebuchet MS"/>
-                <a:cs typeface="Trebuchet MS"/>
-              </a:rPr>
-              <a:t>) ni tan especifico (</a:t>
-            </a:r>
-            <a:r>
-              <a:rPr lang="es-ES_tradnl" sz="2800" b="1" dirty="0" err="1">
-                <a:solidFill>
-                  <a:schemeClr val="bg1"/>
-                </a:solidFill>
-                <a:latin typeface="Trebuchet MS"/>
-                <a:cs typeface="Trebuchet MS"/>
-              </a:rPr>
-              <a:t>github</a:t>
-            </a:r>
-            <a:r>
-              <a:rPr lang="es-ES_tradnl" sz="2800" b="1" dirty="0">
-                <a:solidFill>
-                  <a:schemeClr val="bg1"/>
-                </a:solidFill>
-                <a:latin typeface="Trebuchet MS"/>
-                <a:cs typeface="Trebuchet MS"/>
-              </a:rPr>
-              <a:t> – software)</a:t>
-            </a:r>
-          </a:p>
-          <a:p>
-            <a:endParaRPr lang="es-ES_tradnl" sz="2800" b="1" dirty="0">
-              <a:solidFill>
-                <a:schemeClr val="bg1"/>
-              </a:solidFill>
-              <a:latin typeface="Trebuchet MS"/>
-              <a:cs typeface="Trebuchet MS"/>
-            </a:endParaRPr>
-          </a:p>
-          <a:p>
-            <a:endParaRPr lang="es-ES_tradnl" dirty="0">
-              <a:solidFill>
-                <a:schemeClr val="accent6">
-                  <a:lumMod val="50000"/>
-                </a:schemeClr>
-              </a:solidFill>
-            </a:endParaRPr>
-          </a:p>
-        </p:txBody>
-      </p:sp>
-    </p:spTree>
-    <p:extLst>
-      <p:ext uri="{BB962C8B-B14F-4D97-AF65-F5344CB8AC3E}">
-        <p14:creationId xmlns:p14="http://schemas.microsoft.com/office/powerpoint/2010/main" val="1788179607"/>
-      </p:ext>
-    </p:extLst>
-  </p:cSld>
-  <p:clrMapOvr>
-    <a:masterClrMapping/>
-  </p:clrMapOvr>
-</p:sld>
-</file>
-
 <file path=ppt/slides/slide16.xml><?xml version="1.0" encoding="utf-8"?>
 <p:sld xmlns:a="http://schemas.openxmlformats.org/drawingml/2006/main" xmlns:r="http://schemas.openxmlformats.org/officeDocument/2006/relationships" xmlns:p="http://schemas.openxmlformats.org/presentationml/2006/main">
   <p:cSld>
@@ -4481,6 +4398,215 @@
         </p:nvSpPr>
         <p:spPr>
           <a:xfrm>
+            <a:off x="968323" y="317681"/>
+            <a:ext cx="7112000" cy="1107996"/>
+          </a:xfrm>
+          <a:prstGeom prst="rect">
+            <a:avLst/>
+          </a:prstGeom>
+          <a:noFill/>
+        </p:spPr>
+        <p:txBody>
+          <a:bodyPr wrap="square" rtlCol="0">
+            <a:spAutoFit/>
+          </a:bodyPr>
+          <a:lstStyle/>
+          <a:p>
+            <a:r>
+              <a:rPr lang="es-ES_tradnl" sz="4800" b="1" i="1">
+                <a:solidFill>
+                  <a:schemeClr val="bg1"/>
+                </a:solidFill>
+                <a:latin typeface="Trebuchet MS"/>
+                <a:cs typeface="Trebuchet MS"/>
+              </a:rPr>
+              <a:t>Retos menores</a:t>
+            </a:r>
+          </a:p>
+          <a:p>
+            <a:endParaRPr lang="es-ES_tradnl">
+              <a:solidFill>
+                <a:schemeClr val="accent6">
+                  <a:lumMod val="50000"/>
+                </a:schemeClr>
+              </a:solidFill>
+            </a:endParaRPr>
+          </a:p>
+        </p:txBody>
+      </p:sp>
+      <p:sp>
+        <p:nvSpPr>
+          <p:cNvPr id="7" name="TextBox 6"/>
+          <p:cNvSpPr txBox="1"/>
+          <p:nvPr/>
+        </p:nvSpPr>
+        <p:spPr>
+          <a:xfrm>
+            <a:off x="968323" y="1709779"/>
+            <a:ext cx="7493000" cy="5109091"/>
+          </a:xfrm>
+          <a:prstGeom prst="rect">
+            <a:avLst/>
+          </a:prstGeom>
+          <a:noFill/>
+        </p:spPr>
+        <p:txBody>
+          <a:bodyPr wrap="square" rtlCol="0">
+            <a:spAutoFit/>
+          </a:bodyPr>
+          <a:lstStyle/>
+          <a:p>
+            <a:r>
+              <a:rPr lang="es-ES_tradnl" sz="2800" b="1" dirty="0">
+                <a:solidFill>
+                  <a:schemeClr val="bg1"/>
+                </a:solidFill>
+                <a:latin typeface="Trebuchet MS"/>
+                <a:cs typeface="Trebuchet MS"/>
+              </a:rPr>
+              <a:t>Desmitificar (educar) sobre lo digital y el Código en la academia. </a:t>
+            </a:r>
+          </a:p>
+          <a:p>
+            <a:endParaRPr lang="es-ES_tradnl" sz="2800" b="1" dirty="0">
+              <a:solidFill>
+                <a:schemeClr val="bg1"/>
+              </a:solidFill>
+              <a:latin typeface="Trebuchet MS"/>
+              <a:cs typeface="Trebuchet MS"/>
+            </a:endParaRPr>
+          </a:p>
+          <a:p>
+            <a:r>
+              <a:rPr lang="es-ES_tradnl" sz="2800" b="1" dirty="0">
+                <a:solidFill>
+                  <a:schemeClr val="bg1"/>
+                </a:solidFill>
+                <a:latin typeface="Trebuchet MS"/>
+                <a:cs typeface="Trebuchet MS"/>
+              </a:rPr>
+              <a:t>Interfaces menos técnicas para escribir y publicar.</a:t>
+            </a:r>
+          </a:p>
+          <a:p>
+            <a:endParaRPr lang="es-ES_tradnl" sz="2800" b="1" dirty="0">
+              <a:solidFill>
+                <a:schemeClr val="bg1"/>
+              </a:solidFill>
+              <a:latin typeface="Trebuchet MS"/>
+              <a:cs typeface="Trebuchet MS"/>
+            </a:endParaRPr>
+          </a:p>
+          <a:p>
+            <a:r>
+              <a:rPr lang="es-ES_tradnl" sz="2800" b="1" dirty="0">
+                <a:solidFill>
+                  <a:schemeClr val="bg1"/>
+                </a:solidFill>
+                <a:latin typeface="Trebuchet MS"/>
+                <a:cs typeface="Trebuchet MS"/>
+              </a:rPr>
+              <a:t>Nuevos repositorios donde se pueda trabajar en comunidad especializada – ni tan general (</a:t>
+            </a:r>
+            <a:r>
+              <a:rPr lang="es-ES_tradnl" sz="2800" b="1" dirty="0" err="1">
+                <a:solidFill>
+                  <a:schemeClr val="bg1"/>
+                </a:solidFill>
+                <a:latin typeface="Trebuchet MS"/>
+                <a:cs typeface="Trebuchet MS"/>
+              </a:rPr>
+              <a:t>wikipedia</a:t>
+            </a:r>
+            <a:r>
+              <a:rPr lang="es-ES_tradnl" sz="2800" b="1" dirty="0">
+                <a:solidFill>
+                  <a:schemeClr val="bg1"/>
+                </a:solidFill>
+                <a:latin typeface="Trebuchet MS"/>
+                <a:cs typeface="Trebuchet MS"/>
+              </a:rPr>
+              <a:t>) ni tan especifico (</a:t>
+            </a:r>
+            <a:r>
+              <a:rPr lang="es-ES_tradnl" sz="2800" b="1" dirty="0" err="1">
+                <a:solidFill>
+                  <a:schemeClr val="bg1"/>
+                </a:solidFill>
+                <a:latin typeface="Trebuchet MS"/>
+                <a:cs typeface="Trebuchet MS"/>
+              </a:rPr>
+              <a:t>github</a:t>
+            </a:r>
+            <a:r>
+              <a:rPr lang="es-ES_tradnl" sz="2800" b="1" dirty="0">
+                <a:solidFill>
+                  <a:schemeClr val="bg1"/>
+                </a:solidFill>
+                <a:latin typeface="Trebuchet MS"/>
+                <a:cs typeface="Trebuchet MS"/>
+              </a:rPr>
+              <a:t> – software)</a:t>
+            </a:r>
+          </a:p>
+          <a:p>
+            <a:endParaRPr lang="es-ES_tradnl" sz="2800" b="1" dirty="0">
+              <a:solidFill>
+                <a:schemeClr val="bg1"/>
+              </a:solidFill>
+              <a:latin typeface="Trebuchet MS"/>
+              <a:cs typeface="Trebuchet MS"/>
+            </a:endParaRPr>
+          </a:p>
+          <a:p>
+            <a:endParaRPr lang="es-ES_tradnl" dirty="0">
+              <a:solidFill>
+                <a:schemeClr val="accent6">
+                  <a:lumMod val="50000"/>
+                </a:schemeClr>
+              </a:solidFill>
+            </a:endParaRPr>
+          </a:p>
+        </p:txBody>
+      </p:sp>
+    </p:spTree>
+    <p:extLst>
+      <p:ext uri="{BB962C8B-B14F-4D97-AF65-F5344CB8AC3E}">
+        <p14:creationId xmlns:p14="http://schemas.microsoft.com/office/powerpoint/2010/main" val="1788179607"/>
+      </p:ext>
+    </p:extLst>
+  </p:cSld>
+  <p:clrMapOvr>
+    <a:masterClrMapping/>
+  </p:clrMapOvr>
+</p:sld>
+</file>
+
+<file path=ppt/slides/slide17.xml><?xml version="1.0" encoding="utf-8"?>
+<p:sld xmlns:a="http://schemas.openxmlformats.org/drawingml/2006/main" xmlns:r="http://schemas.openxmlformats.org/officeDocument/2006/relationships" xmlns:p="http://schemas.openxmlformats.org/presentationml/2006/main">
+  <p:cSld>
+    <p:spTree>
+      <p:nvGrpSpPr>
+        <p:cNvPr id="1" name=""/>
+        <p:cNvGrpSpPr/>
+        <p:nvPr/>
+      </p:nvGrpSpPr>
+      <p:grpSpPr>
+        <a:xfrm>
+          <a:off x="0" y="0"/>
+          <a:ext cx="0" cy="0"/>
+          <a:chOff x="0" y="0"/>
+          <a:chExt cx="0" cy="0"/>
+        </a:xfrm>
+      </p:grpSpPr>
+      <p:sp>
+        <p:nvSpPr>
+          <p:cNvPr id="2" name="TextBox 1"/>
+          <p:cNvSpPr txBox="1"/>
+          <p:nvPr/>
+        </p:nvSpPr>
+        <p:spPr>
+          <a:xfrm>
             <a:off x="1155700" y="904795"/>
             <a:ext cx="7112000" cy="1107996"/>
           </a:xfrm>
@@ -4628,7 +4754,7 @@
 </p:sld>
 </file>
 
-<file path=ppt/slides/slide17.xml><?xml version="1.0" encoding="utf-8"?>
+<file path=ppt/slides/slide18.xml><?xml version="1.0" encoding="utf-8"?>
 <p:sld xmlns:a="http://schemas.openxmlformats.org/drawingml/2006/main" xmlns:r="http://schemas.openxmlformats.org/officeDocument/2006/relationships" xmlns:p="http://schemas.openxmlformats.org/presentationml/2006/main">
   <p:cSld>
     <p:spTree>
@@ -4758,7 +4884,7 @@
 </p:sld>
 </file>
 
-<file path=ppt/slides/slide18.xml><?xml version="1.0" encoding="utf-8"?>
+<file path=ppt/slides/slide19.xml><?xml version="1.0" encoding="utf-8"?>
 <p:sld xmlns:a="http://schemas.openxmlformats.org/drawingml/2006/main" xmlns:r="http://schemas.openxmlformats.org/officeDocument/2006/relationships" xmlns:p="http://schemas.openxmlformats.org/presentationml/2006/main">
   <p:cSld>
     <p:spTree>
@@ -4917,276 +5043,6 @@
 </p:sld>
 </file>
 
-<file path=ppt/slides/slide19.xml><?xml version="1.0" encoding="utf-8"?>
-<p:sld xmlns:a="http://schemas.openxmlformats.org/drawingml/2006/main" xmlns:r="http://schemas.openxmlformats.org/officeDocument/2006/relationships" xmlns:p="http://schemas.openxmlformats.org/presentationml/2006/main">
-  <p:cSld>
-    <p:spTree>
-      <p:nvGrpSpPr>
-        <p:cNvPr id="1" name=""/>
-        <p:cNvGrpSpPr/>
-        <p:nvPr/>
-      </p:nvGrpSpPr>
-      <p:grpSpPr>
-        <a:xfrm>
-          <a:off x="0" y="0"/>
-          <a:ext cx="0" cy="0"/>
-          <a:chOff x="0" y="0"/>
-          <a:chExt cx="0" cy="0"/>
-        </a:xfrm>
-      </p:grpSpPr>
-      <p:sp>
-        <p:nvSpPr>
-          <p:cNvPr id="2" name="Título 1">
-            <a:extLst>
-              <a:ext uri="{FF2B5EF4-FFF2-40B4-BE49-F238E27FC236}">
-                <a16:creationId xmlns:a16="http://schemas.microsoft.com/office/drawing/2014/main" id="{AB83FD77-506C-5AE6-057E-23A4EFC80421}"/>
-              </a:ext>
-            </a:extLst>
-          </p:cNvPr>
-          <p:cNvSpPr>
-            <a:spLocks noGrp="1"/>
-          </p:cNvSpPr>
-          <p:nvPr>
-            <p:ph type="title"/>
-          </p:nvPr>
-        </p:nvSpPr>
-        <p:spPr/>
-        <p:txBody>
-          <a:bodyPr/>
-          <a:lstStyle/>
-          <a:p>
-            <a:r>
-              <a:rPr lang="es-ES" b="1" i="1">
-                <a:solidFill>
-                  <a:schemeClr val="bg1"/>
-                </a:solidFill>
-                <a:latin typeface="Trebuchet MS"/>
-                <a:cs typeface="Calibri"/>
-              </a:rPr>
-              <a:t>Web Descentralizada</a:t>
-            </a:r>
-          </a:p>
-        </p:txBody>
-      </p:sp>
-      <p:sp>
-        <p:nvSpPr>
-          <p:cNvPr id="3" name="Marcador de contenido 2">
-            <a:extLst>
-              <a:ext uri="{FF2B5EF4-FFF2-40B4-BE49-F238E27FC236}">
-                <a16:creationId xmlns:a16="http://schemas.microsoft.com/office/drawing/2014/main" id="{A8C1D800-082A-589B-276E-84F9AE481B16}"/>
-              </a:ext>
-            </a:extLst>
-          </p:cNvPr>
-          <p:cNvSpPr>
-            <a:spLocks noGrp="1"/>
-          </p:cNvSpPr>
-          <p:nvPr>
-            <p:ph sz="half" idx="1"/>
-          </p:nvPr>
-        </p:nvSpPr>
-        <p:spPr>
-          <a:xfrm>
-            <a:off x="457200" y="1600200"/>
-            <a:ext cx="8228005" cy="4525963"/>
-          </a:xfrm>
-        </p:spPr>
-        <p:txBody>
-          <a:bodyPr vert="horz" lIns="91440" tIns="45720" rIns="91440" bIns="45720" rtlCol="0" anchor="t">
-            <a:normAutofit/>
-          </a:bodyPr>
-          <a:lstStyle/>
-          <a:p>
-            <a:r>
-              <a:rPr lang="es-ES" dirty="0">
-                <a:solidFill>
-                  <a:schemeClr val="bg1"/>
-                </a:solidFill>
-                <a:ea typeface="+mn-lt"/>
-                <a:cs typeface="+mn-lt"/>
-                <a:hlinkClick r:id="rId2">
-                  <a:extLst>
-                    <a:ext uri="{A12FA001-AC4F-418D-AE19-62706E023703}">
-                      <ahyp:hlinkClr xmlns:ahyp="http://schemas.microsoft.com/office/drawing/2018/hyperlinkcolor" val="tx"/>
-                    </a:ext>
-                  </a:extLst>
-                </a:hlinkClick>
-              </a:rPr>
-              <a:t>https://www.reddit.com/r/place/</a:t>
-            </a:r>
-            <a:r>
-              <a:rPr lang="es-ES" dirty="0">
-                <a:solidFill>
-                  <a:schemeClr val="bg1"/>
-                </a:solidFill>
-                <a:ea typeface="+mn-lt"/>
-                <a:cs typeface="+mn-lt"/>
-              </a:rPr>
-              <a:t> </a:t>
-            </a:r>
-          </a:p>
-          <a:p>
-            <a:r>
-              <a:rPr lang="es-ES" dirty="0">
-                <a:solidFill>
-                  <a:schemeClr val="bg1"/>
-                </a:solidFill>
-                <a:ea typeface="+mn-lt"/>
-                <a:cs typeface="+mn-lt"/>
-                <a:hlinkClick r:id="rId3">
-                  <a:extLst>
-                    <a:ext uri="{A12FA001-AC4F-418D-AE19-62706E023703}">
-                      <ahyp:hlinkClr xmlns:ahyp="http://schemas.microsoft.com/office/drawing/2018/hyperlinkcolor" val="tx"/>
-                    </a:ext>
-                  </a:extLst>
-                </a:hlinkClick>
-              </a:rPr>
-              <a:t>https://sutty.nl/</a:t>
-            </a:r>
-            <a:r>
-              <a:rPr lang="es-ES" dirty="0">
-                <a:solidFill>
-                  <a:schemeClr val="bg1"/>
-                </a:solidFill>
-                <a:ea typeface="+mn-lt"/>
-                <a:cs typeface="+mn-lt"/>
-              </a:rPr>
-              <a:t> </a:t>
-            </a:r>
-          </a:p>
-          <a:p>
-            <a:r>
-              <a:rPr lang="es-ES" dirty="0">
-                <a:solidFill>
-                  <a:schemeClr val="bg1"/>
-                </a:solidFill>
-                <a:ea typeface="+mn-lt"/>
-                <a:cs typeface="+mn-lt"/>
-                <a:hlinkClick r:id="rId4"/>
-              </a:rPr>
-              <a:t>https://anthillhacks.in/</a:t>
-            </a:r>
-            <a:r>
-              <a:rPr lang="es-ES" dirty="0">
-                <a:solidFill>
-                  <a:schemeClr val="bg1"/>
-                </a:solidFill>
-                <a:ea typeface="+mn-lt"/>
-                <a:cs typeface="+mn-lt"/>
-              </a:rPr>
-              <a:t> </a:t>
-            </a:r>
-          </a:p>
-          <a:p>
-            <a:r>
-              <a:rPr lang="es-ES" dirty="0">
-                <a:solidFill>
-                  <a:schemeClr val="bg1"/>
-                </a:solidFill>
-                <a:ea typeface="+mn-lt"/>
-                <a:cs typeface="+mn-lt"/>
-                <a:hlinkClick r:id="rId5">
-                  <a:extLst>
-                    <a:ext uri="{A12FA001-AC4F-418D-AE19-62706E023703}">
-                      <ahyp:hlinkClr xmlns:ahyp="http://schemas.microsoft.com/office/drawing/2018/hyperlinkcolor" val="tx"/>
-                    </a:ext>
-                  </a:extLst>
-                </a:hlinkClick>
-              </a:rPr>
-              <a:t>https://scuttlebutt.nz/</a:t>
-            </a:r>
-            <a:r>
-              <a:rPr lang="es-ES" u="sng" dirty="0">
-                <a:solidFill>
-                  <a:schemeClr val="bg1"/>
-                </a:solidFill>
-                <a:ea typeface="+mn-lt"/>
-                <a:cs typeface="+mn-lt"/>
-                <a:hlinkClick r:id="rId5">
-                  <a:extLst>
-                    <a:ext uri="{A12FA001-AC4F-418D-AE19-62706E023703}">
-                      <ahyp:hlinkClr xmlns:ahyp="http://schemas.microsoft.com/office/drawing/2018/hyperlinkcolor" val="tx"/>
-                    </a:ext>
-                  </a:extLst>
-                </a:hlinkClick>
-              </a:rPr>
-              <a:t>about</a:t>
-            </a:r>
-            <a:r>
-              <a:rPr lang="es-ES" dirty="0">
-                <a:solidFill>
-                  <a:schemeClr val="bg1"/>
-                </a:solidFill>
-                <a:ea typeface="+mn-lt"/>
-                <a:cs typeface="+mn-lt"/>
-                <a:hlinkClick r:id="rId5">
-                  <a:extLst>
-                    <a:ext uri="{A12FA001-AC4F-418D-AE19-62706E023703}">
-                      <ahyp:hlinkClr xmlns:ahyp="http://schemas.microsoft.com/office/drawing/2018/hyperlinkcolor" val="tx"/>
-                    </a:ext>
-                  </a:extLst>
-                </a:hlinkClick>
-              </a:rPr>
-              <a:t>/</a:t>
-            </a:r>
-          </a:p>
-          <a:p>
-            <a:r>
-              <a:rPr lang="es-ES" dirty="0">
-                <a:solidFill>
-                  <a:schemeClr val="bg1"/>
-                </a:solidFill>
-                <a:ea typeface="+mn-lt"/>
-                <a:cs typeface="+mn-lt"/>
-                <a:hlinkClick r:id="rId6"/>
-              </a:rPr>
-              <a:t>https://bsky.social/about/faq</a:t>
-            </a:r>
-            <a:endParaRPr lang="es-ES" dirty="0">
-              <a:ea typeface="+mn-lt"/>
-              <a:cs typeface="+mn-lt"/>
-              <a:hlinkClick r:id="rId7"/>
-            </a:endParaRPr>
-          </a:p>
-          <a:p>
-            <a:r>
-              <a:rPr lang="es-ES" dirty="0">
-                <a:ea typeface="+mn-lt"/>
-                <a:cs typeface="+mn-lt"/>
-                <a:hlinkClick r:id="rId7"/>
-              </a:rPr>
-              <a:t>https://popula.com/</a:t>
-            </a:r>
-            <a:endParaRPr lang="es-ES" dirty="0">
-              <a:ea typeface="+mn-lt"/>
-              <a:cs typeface="+mn-lt"/>
-            </a:endParaRPr>
-          </a:p>
-          <a:p>
-            <a:pPr marL="0" indent="0">
-              <a:buNone/>
-            </a:pPr>
-            <a:endParaRPr lang="es-ES" dirty="0">
-              <a:solidFill>
-                <a:schemeClr val="bg1"/>
-              </a:solidFill>
-              <a:cs typeface="Calibri"/>
-            </a:endParaRPr>
-          </a:p>
-        </p:txBody>
-      </p:sp>
-    </p:spTree>
-    <p:extLst>
-      <p:ext uri="{BB962C8B-B14F-4D97-AF65-F5344CB8AC3E}">
-        <p14:creationId xmlns:p14="http://schemas.microsoft.com/office/powerpoint/2010/main" val="1282526398"/>
-      </p:ext>
-    </p:extLst>
-  </p:cSld>
-  <p:clrMapOvr>
-    <a:masterClrMapping/>
-  </p:clrMapOvr>
-</p:sld>
-</file>
-
 <file path=ppt/slides/slide2.xml><?xml version="1.0" encoding="utf-8"?>
 <p:sld xmlns:a="http://schemas.openxmlformats.org/drawingml/2006/main" xmlns:r="http://schemas.openxmlformats.org/officeDocument/2006/relationships" xmlns:p="http://schemas.openxmlformats.org/presentationml/2006/main">
   <p:cSld>
@@ -5389,6 +5245,192 @@
     <p:extLst>
       <p:ext uri="{BB962C8B-B14F-4D97-AF65-F5344CB8AC3E}">
         <p14:creationId xmlns:p14="http://schemas.microsoft.com/office/powerpoint/2010/main" val="3688428653"/>
+      </p:ext>
+    </p:extLst>
+  </p:cSld>
+  <p:clrMapOvr>
+    <a:masterClrMapping/>
+  </p:clrMapOvr>
+</p:sld>
+</file>
+
+<file path=ppt/slides/slide20.xml><?xml version="1.0" encoding="utf-8"?>
+<p:sld xmlns:a="http://schemas.openxmlformats.org/drawingml/2006/main" xmlns:r="http://schemas.openxmlformats.org/officeDocument/2006/relationships" xmlns:p="http://schemas.openxmlformats.org/presentationml/2006/main">
+  <p:cSld>
+    <p:spTree>
+      <p:nvGrpSpPr>
+        <p:cNvPr id="1" name=""/>
+        <p:cNvGrpSpPr/>
+        <p:nvPr/>
+      </p:nvGrpSpPr>
+      <p:grpSpPr>
+        <a:xfrm>
+          <a:off x="0" y="0"/>
+          <a:ext cx="0" cy="0"/>
+          <a:chOff x="0" y="0"/>
+          <a:chExt cx="0" cy="0"/>
+        </a:xfrm>
+      </p:grpSpPr>
+      <p:sp>
+        <p:nvSpPr>
+          <p:cNvPr id="2" name="Título 1">
+            <a:extLst>
+              <a:ext uri="{FF2B5EF4-FFF2-40B4-BE49-F238E27FC236}">
+                <a16:creationId xmlns:a16="http://schemas.microsoft.com/office/drawing/2014/main" id="{AB83FD77-506C-5AE6-057E-23A4EFC80421}"/>
+              </a:ext>
+            </a:extLst>
+          </p:cNvPr>
+          <p:cNvSpPr>
+            <a:spLocks noGrp="1"/>
+          </p:cNvSpPr>
+          <p:nvPr>
+            <p:ph type="title"/>
+          </p:nvPr>
+        </p:nvSpPr>
+        <p:spPr/>
+        <p:txBody>
+          <a:bodyPr/>
+          <a:lstStyle/>
+          <a:p>
+            <a:r>
+              <a:rPr lang="es-ES" b="1" i="1">
+                <a:solidFill>
+                  <a:schemeClr val="bg1"/>
+                </a:solidFill>
+                <a:latin typeface="Trebuchet MS"/>
+                <a:cs typeface="Calibri"/>
+              </a:rPr>
+              <a:t>Web Descentralizada</a:t>
+            </a:r>
+          </a:p>
+        </p:txBody>
+      </p:sp>
+      <p:sp>
+        <p:nvSpPr>
+          <p:cNvPr id="3" name="Marcador de contenido 2">
+            <a:extLst>
+              <a:ext uri="{FF2B5EF4-FFF2-40B4-BE49-F238E27FC236}">
+                <a16:creationId xmlns:a16="http://schemas.microsoft.com/office/drawing/2014/main" id="{A8C1D800-082A-589B-276E-84F9AE481B16}"/>
+              </a:ext>
+            </a:extLst>
+          </p:cNvPr>
+          <p:cNvSpPr>
+            <a:spLocks noGrp="1"/>
+          </p:cNvSpPr>
+          <p:nvPr>
+            <p:ph sz="half" idx="1"/>
+          </p:nvPr>
+        </p:nvSpPr>
+        <p:spPr>
+          <a:xfrm>
+            <a:off x="457200" y="1600200"/>
+            <a:ext cx="8228005" cy="4525963"/>
+          </a:xfrm>
+        </p:spPr>
+        <p:txBody>
+          <a:bodyPr vert="horz" lIns="91440" tIns="45720" rIns="91440" bIns="45720" rtlCol="0" anchor="t">
+            <a:normAutofit/>
+          </a:bodyPr>
+          <a:lstStyle/>
+          <a:p>
+            <a:r>
+              <a:rPr lang="es-ES" dirty="0">
+                <a:solidFill>
+                  <a:schemeClr val="bg1"/>
+                </a:solidFill>
+                <a:ea typeface="+mn-lt"/>
+                <a:cs typeface="+mn-lt"/>
+                <a:hlinkClick r:id="rId2">
+                  <a:extLst>
+                    <a:ext uri="{A12FA001-AC4F-418D-AE19-62706E023703}">
+                      <ahyp:hlinkClr xmlns:ahyp="http://schemas.microsoft.com/office/drawing/2018/hyperlinkcolor" val="tx"/>
+                    </a:ext>
+                  </a:extLst>
+                </a:hlinkClick>
+              </a:rPr>
+              <a:t>https://www.reddit.com/r/place/</a:t>
+            </a:r>
+            <a:r>
+              <a:rPr lang="es-ES" dirty="0">
+                <a:solidFill>
+                  <a:schemeClr val="bg1"/>
+                </a:solidFill>
+                <a:ea typeface="+mn-lt"/>
+                <a:cs typeface="+mn-lt"/>
+              </a:rPr>
+              <a:t> </a:t>
+            </a:r>
+          </a:p>
+          <a:p>
+            <a:r>
+              <a:rPr lang="es-ES" dirty="0">
+                <a:solidFill>
+                  <a:schemeClr val="bg1"/>
+                </a:solidFill>
+                <a:ea typeface="+mn-lt"/>
+                <a:cs typeface="+mn-lt"/>
+                <a:hlinkClick r:id="rId3">
+                  <a:extLst>
+                    <a:ext uri="{A12FA001-AC4F-418D-AE19-62706E023703}">
+                      <ahyp:hlinkClr xmlns:ahyp="http://schemas.microsoft.com/office/drawing/2018/hyperlinkcolor" val="tx"/>
+                    </a:ext>
+                  </a:extLst>
+                </a:hlinkClick>
+              </a:rPr>
+              <a:t>https://sutty.nl/</a:t>
+            </a:r>
+            <a:r>
+              <a:rPr lang="es-ES" dirty="0">
+                <a:solidFill>
+                  <a:schemeClr val="bg1"/>
+                </a:solidFill>
+                <a:ea typeface="+mn-lt"/>
+                <a:cs typeface="+mn-lt"/>
+              </a:rPr>
+              <a:t> </a:t>
+            </a:r>
+          </a:p>
+          <a:p>
+            <a:r>
+              <a:rPr lang="es-ES" dirty="0">
+                <a:solidFill>
+                  <a:schemeClr val="bg1"/>
+                </a:solidFill>
+                <a:ea typeface="+mn-lt"/>
+                <a:cs typeface="+mn-lt"/>
+                <a:hlinkClick r:id="rId4"/>
+              </a:rPr>
+              <a:t>https://anthillhacks.in/</a:t>
+            </a:r>
+            <a:r>
+              <a:rPr lang="es-ES" dirty="0">
+                <a:solidFill>
+                  <a:schemeClr val="bg1"/>
+                </a:solidFill>
+                <a:ea typeface="+mn-lt"/>
+                <a:cs typeface="+mn-lt"/>
+              </a:rPr>
+              <a:t> </a:t>
+            </a:r>
+          </a:p>
+          <a:p>
+            <a:pPr marL="0" indent="0">
+              <a:buNone/>
+            </a:pPr>
+            <a:endParaRPr lang="es-ES" dirty="0">
+              <a:solidFill>
+                <a:srgbClr val="FFFFFF"/>
+              </a:solidFill>
+              <a:ea typeface="+mn-lt"/>
+              <a:cs typeface="+mn-lt"/>
+            </a:endParaRPr>
+          </a:p>
+        </p:txBody>
+      </p:sp>
+    </p:spTree>
+    <p:extLst>
+      <p:ext uri="{BB962C8B-B14F-4D97-AF65-F5344CB8AC3E}">
+        <p14:creationId xmlns:p14="http://schemas.microsoft.com/office/powerpoint/2010/main" val="1282526398"/>
       </p:ext>
     </p:extLst>
   </p:cSld>
@@ -5857,54 +5899,68 @@
           <a:chExt cx="0" cy="0"/>
         </a:xfrm>
       </p:grpSpPr>
-      <p:sp>
-        <p:nvSpPr>
-          <p:cNvPr id="2" name="TextBox 1"/>
-          <p:cNvSpPr txBox="1"/>
-          <p:nvPr/>
-        </p:nvSpPr>
+      <p:pic>
+        <p:nvPicPr>
+          <p:cNvPr id="5" name="Marcador de contenido 4" descr="Diagrama&#10;&#10;Descripción generada automáticamente">
+            <a:extLst>
+              <a:ext uri="{FF2B5EF4-FFF2-40B4-BE49-F238E27FC236}">
+                <a16:creationId xmlns:a16="http://schemas.microsoft.com/office/drawing/2014/main" id="{A553A393-AAB6-198E-A8CF-286FD68F6309}"/>
+              </a:ext>
+            </a:extLst>
+          </p:cNvPr>
+          <p:cNvPicPr>
+            <a:picLocks noGrp="1" noChangeAspect="1"/>
+          </p:cNvPicPr>
+          <p:nvPr>
+            <p:ph sz="half" idx="1"/>
+          </p:nvPr>
+        </p:nvPicPr>
+        <p:blipFill>
+          <a:blip r:embed="rId2"/>
+          <a:stretch>
+            <a:fillRect/>
+          </a:stretch>
+        </p:blipFill>
         <p:spPr>
           <a:xfrm>
-            <a:off x="1302844" y="2875002"/>
-            <a:ext cx="6743700" cy="1107996"/>
+            <a:off x="1261" y="326605"/>
+            <a:ext cx="3955397" cy="6172199"/>
           </a:xfrm>
-          <a:prstGeom prst="rect">
-            <a:avLst/>
-          </a:prstGeom>
-          <a:noFill/>
         </p:spPr>
-        <p:txBody>
-          <a:bodyPr wrap="square" rtlCol="0">
-            <a:spAutoFit/>
-          </a:bodyPr>
-          <a:lstStyle/>
-          <a:p>
-            <a:r>
-              <a:rPr lang="es-ES_tradnl" sz="4800" b="1" i="1">
-                <a:solidFill>
-                  <a:schemeClr val="bg1"/>
-                </a:solidFill>
-                <a:latin typeface="Trebuchet MS"/>
-                <a:cs typeface="Trebuchet MS"/>
-              </a:rPr>
-              <a:t>Pero, ¿Cómo lo hacen?</a:t>
-            </a:r>
-          </a:p>
-          <a:p>
-            <a:endParaRPr lang="es-ES_tradnl">
-              <a:solidFill>
-                <a:schemeClr val="accent6">
-                  <a:lumMod val="50000"/>
-                </a:schemeClr>
-              </a:solidFill>
-            </a:endParaRPr>
-          </a:p>
-        </p:txBody>
-      </p:sp>
+      </p:pic>
+      <p:pic>
+        <p:nvPicPr>
+          <p:cNvPr id="6" name="Marcador de contenido 5">
+            <a:extLst>
+              <a:ext uri="{FF2B5EF4-FFF2-40B4-BE49-F238E27FC236}">
+                <a16:creationId xmlns:a16="http://schemas.microsoft.com/office/drawing/2014/main" id="{EC644DAA-1E8A-A13D-986E-050623B79732}"/>
+              </a:ext>
+            </a:extLst>
+          </p:cNvPr>
+          <p:cNvPicPr>
+            <a:picLocks noGrp="1" noChangeAspect="1"/>
+          </p:cNvPicPr>
+          <p:nvPr>
+            <p:ph sz="half" idx="2"/>
+          </p:nvPr>
+        </p:nvPicPr>
+        <p:blipFill>
+          <a:blip r:embed="rId3"/>
+          <a:stretch>
+            <a:fillRect/>
+          </a:stretch>
+        </p:blipFill>
+        <p:spPr>
+          <a:xfrm>
+            <a:off x="4205007" y="326605"/>
+            <a:ext cx="4803961" cy="6172200"/>
+          </a:xfrm>
+        </p:spPr>
+      </p:pic>
     </p:spTree>
     <p:extLst>
       <p:ext uri="{BB962C8B-B14F-4D97-AF65-F5344CB8AC3E}">
-        <p14:creationId xmlns:p14="http://schemas.microsoft.com/office/powerpoint/2010/main" val="2969440446"/>
+        <p14:creationId xmlns:p14="http://schemas.microsoft.com/office/powerpoint/2010/main" val="4093084898"/>
       </p:ext>
     </p:extLst>
   </p:cSld>
@@ -5939,8 +5995,8 @@
         </p:nvSpPr>
         <p:spPr>
           <a:xfrm>
-            <a:off x="1155700" y="2479595"/>
-            <a:ext cx="7112000" cy="2585323"/>
+            <a:off x="1302844" y="2875002"/>
+            <a:ext cx="6743700" cy="1107996"/>
           </a:xfrm>
           <a:prstGeom prst="rect">
             <a:avLst/>
@@ -5961,31 +6017,7 @@
                 <a:latin typeface="Trebuchet MS"/>
                 <a:cs typeface="Trebuchet MS"/>
               </a:rPr>
-              <a:t>Abrir</a:t>
-            </a:r>
-          </a:p>
-          <a:p>
-            <a:r>
-              <a:rPr lang="es-ES_tradnl" sz="4800" b="1" i="1">
-                <a:solidFill>
-                  <a:schemeClr val="bg1"/>
-                </a:solidFill>
-                <a:latin typeface="Trebuchet MS"/>
-                <a:cs typeface="Trebuchet MS"/>
-              </a:rPr>
-              <a:t>Colaborar</a:t>
-            </a:r>
-          </a:p>
-          <a:p>
-            <a:r>
-              <a:rPr lang="es-ES_tradnl" sz="4800" b="1" i="1">
-                <a:solidFill>
-                  <a:schemeClr val="bg1"/>
-                </a:solidFill>
-                <a:latin typeface="Trebuchet MS"/>
-                <a:cs typeface="Trebuchet MS"/>
-              </a:rPr>
-              <a:t>Distribuir...</a:t>
+              <a:t>Pero, ¿Cómo lo hacen?</a:t>
             </a:r>
           </a:p>
           <a:p>
@@ -6002,7 +6034,7 @@
     </p:spTree>
     <p:extLst>
       <p:ext uri="{BB962C8B-B14F-4D97-AF65-F5344CB8AC3E}">
-        <p14:creationId xmlns:p14="http://schemas.microsoft.com/office/powerpoint/2010/main" val="1410513954"/>
+        <p14:creationId xmlns:p14="http://schemas.microsoft.com/office/powerpoint/2010/main" val="2969440446"/>
       </p:ext>
     </p:extLst>
   </p:cSld>
@@ -6038,7 +6070,7 @@
         <p:spPr>
           <a:xfrm>
             <a:off x="1155700" y="2479595"/>
-            <a:ext cx="7112000" cy="1107996"/>
+            <a:ext cx="7112000" cy="2585323"/>
           </a:xfrm>
           <a:prstGeom prst="rect">
             <a:avLst/>
@@ -6052,25 +6084,42 @@
           <a:lstStyle/>
           <a:p>
             <a:r>
-              <a:rPr lang="en-US" sz="4800" b="1" i="1" err="1">
+              <a:rPr lang="es-ES_tradnl" sz="4800" b="1" i="1">
                 <a:solidFill>
                   <a:schemeClr val="bg1"/>
                 </a:solidFill>
                 <a:latin typeface="Trebuchet MS"/>
                 <a:cs typeface="Trebuchet MS"/>
               </a:rPr>
-              <a:t>Git</a:t>
-            </a:r>
-            <a:endParaRPr lang="en-US" sz="4800" b="1" i="1">
-              <a:solidFill>
-                <a:schemeClr val="bg1"/>
-              </a:solidFill>
-              <a:latin typeface="Trebuchet MS"/>
-              <a:cs typeface="Trebuchet MS"/>
-            </a:endParaRPr>
-          </a:p>
-          <a:p>
-            <a:endParaRPr lang="en-US">
+              <a:t>Abrir</a:t>
+            </a:r>
+          </a:p>
+          <a:p>
+            <a:r>
+              <a:rPr lang="es-ES_tradnl" sz="4800" b="1" i="1">
+                <a:solidFill>
+                  <a:schemeClr val="bg1"/>
+                </a:solidFill>
+                <a:latin typeface="Trebuchet MS"/>
+                <a:cs typeface="Trebuchet MS"/>
+              </a:rPr>
+              <a:t>Colaborar</a:t>
+            </a:r>
+          </a:p>
+          <a:p>
+            <a:r>
+              <a:rPr lang="es-ES_tradnl" sz="4800" b="1" i="1">
+                <a:solidFill>
+                  <a:schemeClr val="bg1"/>
+                </a:solidFill>
+                <a:latin typeface="Trebuchet MS"/>
+                <a:cs typeface="Trebuchet MS"/>
+              </a:rPr>
+              <a:t>Distribuir...</a:t>
+            </a:r>
+          </a:p>
+          <a:p>
+            <a:endParaRPr lang="es-ES_tradnl">
               <a:solidFill>
                 <a:schemeClr val="accent6">
                   <a:lumMod val="50000"/>
@@ -6083,7 +6132,7 @@
     </p:spTree>
     <p:extLst>
       <p:ext uri="{BB962C8B-B14F-4D97-AF65-F5344CB8AC3E}">
-        <p14:creationId xmlns:p14="http://schemas.microsoft.com/office/powerpoint/2010/main" val="2569280960"/>
+        <p14:creationId xmlns:p14="http://schemas.microsoft.com/office/powerpoint/2010/main" val="1410513954"/>
       </p:ext>
     </p:extLst>
   </p:cSld>
@@ -6161,54 +6210,10 @@
           </a:p>
         </p:txBody>
       </p:sp>
-      <p:sp>
-        <p:nvSpPr>
-          <p:cNvPr id="4" name="TextBox 3"/>
-          <p:cNvSpPr txBox="1"/>
-          <p:nvPr/>
-        </p:nvSpPr>
-        <p:spPr>
-          <a:xfrm>
-            <a:off x="2387600" y="2635090"/>
-            <a:ext cx="7112000" cy="800219"/>
-          </a:xfrm>
-          <a:prstGeom prst="rect">
-            <a:avLst/>
-          </a:prstGeom>
-          <a:noFill/>
-        </p:spPr>
-        <p:txBody>
-          <a:bodyPr wrap="square" rtlCol="0">
-            <a:spAutoFit/>
-          </a:bodyPr>
-          <a:lstStyle/>
-          <a:p>
-            <a:r>
-              <a:rPr lang="en-US" sz="2800" b="1" i="1">
-                <a:solidFill>
-                  <a:schemeClr val="bg1"/>
-                </a:solidFill>
-                <a:latin typeface="Trebuchet MS"/>
-                <a:cs typeface="Trebuchet MS"/>
-              </a:rPr>
-              <a:t>“distributed revision control system”</a:t>
-            </a:r>
-          </a:p>
-          <a:p>
-            <a:endParaRPr lang="en-US">
-              <a:solidFill>
-                <a:schemeClr val="accent6">
-                  <a:lumMod val="50000"/>
-                </a:schemeClr>
-              </a:solidFill>
-            </a:endParaRPr>
-          </a:p>
-        </p:txBody>
-      </p:sp>
     </p:spTree>
     <p:extLst>
       <p:ext uri="{BB962C8B-B14F-4D97-AF65-F5344CB8AC3E}">
-        <p14:creationId xmlns:p14="http://schemas.microsoft.com/office/powerpoint/2010/main" val="2395952148"/>
+        <p14:creationId xmlns:p14="http://schemas.microsoft.com/office/powerpoint/2010/main" val="2569280960"/>
       </p:ext>
     </p:extLst>
   </p:cSld>
